--- a/docs/images/qumulo-architecture-diagram.pptx
+++ b/docs/images/qumulo-architecture-diagram.pptx
@@ -104,6 +104,11 @@
       </a:defRPr>
     </a:lvl9pPr>
   </p:defaultTextStyle>
+  <p:extLst>
+    <p:ext uri="{EFAFB233-063F-42B5-8137-9DF3F51BA10A}">
+      <p15:sldGuideLst xmlns:p15="http://schemas.microsoft.com/office/powerpoint/2012/main"/>
+    </p:ext>
+  </p:extLst>
 </p:presentation>
 </file>
 
@@ -238,7 +243,7 @@
           <a:p>
             <a:fld id="{CAC9D927-D147-4040-BE59-928054C46E52}" type="datetimeFigureOut">
               <a:rPr lang="en-US" smtClean="0"/>
-              <a:t>5/12/2021</a:t>
+              <a:t>5/14/2021</a:t>
             </a:fld>
             <a:endParaRPr lang="en-US"/>
           </a:p>
@@ -408,7 +413,7 @@
           <a:p>
             <a:fld id="{CAC9D927-D147-4040-BE59-928054C46E52}" type="datetimeFigureOut">
               <a:rPr lang="en-US" smtClean="0"/>
-              <a:t>5/12/2021</a:t>
+              <a:t>5/14/2021</a:t>
             </a:fld>
             <a:endParaRPr lang="en-US"/>
           </a:p>
@@ -588,7 +593,7 @@
           <a:p>
             <a:fld id="{CAC9D927-D147-4040-BE59-928054C46E52}" type="datetimeFigureOut">
               <a:rPr lang="en-US" smtClean="0"/>
-              <a:t>5/12/2021</a:t>
+              <a:t>5/14/2021</a:t>
             </a:fld>
             <a:endParaRPr lang="en-US"/>
           </a:p>
@@ -758,7 +763,7 @@
           <a:p>
             <a:fld id="{CAC9D927-D147-4040-BE59-928054C46E52}" type="datetimeFigureOut">
               <a:rPr lang="en-US" smtClean="0"/>
-              <a:t>5/12/2021</a:t>
+              <a:t>5/14/2021</a:t>
             </a:fld>
             <a:endParaRPr lang="en-US"/>
           </a:p>
@@ -1004,7 +1009,7 @@
           <a:p>
             <a:fld id="{CAC9D927-D147-4040-BE59-928054C46E52}" type="datetimeFigureOut">
               <a:rPr lang="en-US" smtClean="0"/>
-              <a:t>5/12/2021</a:t>
+              <a:t>5/14/2021</a:t>
             </a:fld>
             <a:endParaRPr lang="en-US"/>
           </a:p>
@@ -1236,7 +1241,7 @@
           <a:p>
             <a:fld id="{CAC9D927-D147-4040-BE59-928054C46E52}" type="datetimeFigureOut">
               <a:rPr lang="en-US" smtClean="0"/>
-              <a:t>5/12/2021</a:t>
+              <a:t>5/14/2021</a:t>
             </a:fld>
             <a:endParaRPr lang="en-US"/>
           </a:p>
@@ -1603,7 +1608,7 @@
           <a:p>
             <a:fld id="{CAC9D927-D147-4040-BE59-928054C46E52}" type="datetimeFigureOut">
               <a:rPr lang="en-US" smtClean="0"/>
-              <a:t>5/12/2021</a:t>
+              <a:t>5/14/2021</a:t>
             </a:fld>
             <a:endParaRPr lang="en-US"/>
           </a:p>
@@ -1721,7 +1726,7 @@
           <a:p>
             <a:fld id="{CAC9D927-D147-4040-BE59-928054C46E52}" type="datetimeFigureOut">
               <a:rPr lang="en-US" smtClean="0"/>
-              <a:t>5/12/2021</a:t>
+              <a:t>5/14/2021</a:t>
             </a:fld>
             <a:endParaRPr lang="en-US"/>
           </a:p>
@@ -1816,7 +1821,7 @@
           <a:p>
             <a:fld id="{CAC9D927-D147-4040-BE59-928054C46E52}" type="datetimeFigureOut">
               <a:rPr lang="en-US" smtClean="0"/>
-              <a:t>5/12/2021</a:t>
+              <a:t>5/14/2021</a:t>
             </a:fld>
             <a:endParaRPr lang="en-US"/>
           </a:p>
@@ -2093,7 +2098,7 @@
           <a:p>
             <a:fld id="{CAC9D927-D147-4040-BE59-928054C46E52}" type="datetimeFigureOut">
               <a:rPr lang="en-US" smtClean="0"/>
-              <a:t>5/12/2021</a:t>
+              <a:t>5/14/2021</a:t>
             </a:fld>
             <a:endParaRPr lang="en-US"/>
           </a:p>
@@ -2346,7 +2351,7 @@
           <a:p>
             <a:fld id="{CAC9D927-D147-4040-BE59-928054C46E52}" type="datetimeFigureOut">
               <a:rPr lang="en-US" smtClean="0"/>
-              <a:t>5/12/2021</a:t>
+              <a:t>5/14/2021</a:t>
             </a:fld>
             <a:endParaRPr lang="en-US"/>
           </a:p>
@@ -2559,7 +2564,7 @@
           <a:p>
             <a:fld id="{CAC9D927-D147-4040-BE59-928054C46E52}" type="datetimeFigureOut">
               <a:rPr lang="en-US" smtClean="0"/>
-              <a:t>5/12/2021</a:t>
+              <a:t>5/14/2021</a:t>
             </a:fld>
             <a:endParaRPr lang="en-US"/>
           </a:p>
@@ -3348,7 +3353,7 @@
           <a:blip r:embed="rId2">
             <a:extLst>
               <a:ext uri="{96DAC541-7B7A-43D3-8B79-37D633B846F1}">
-                <asvg:svgBlip xmlns:asvg="http://schemas.microsoft.com/office/drawing/2016/SVG/main" xmlns="" r:embed="rId4"/>
+                <asvg:svgBlip xmlns="" xmlns:asvg="http://schemas.microsoft.com/office/drawing/2016/SVG/main" r:embed="rId4"/>
               </a:ext>
             </a:extLst>
           </a:blip>
@@ -3384,7 +3389,7 @@
           <a:blip r:embed="rId5">
             <a:extLst>
               <a:ext uri="{96DAC541-7B7A-43D3-8B79-37D633B846F1}">
-                <asvg:svgBlip xmlns:asvg="http://schemas.microsoft.com/office/drawing/2016/SVG/main" xmlns="" r:embed="rId6"/>
+                <asvg:svgBlip xmlns="" xmlns:asvg="http://schemas.microsoft.com/office/drawing/2016/SVG/main" r:embed="rId6"/>
               </a:ext>
             </a:extLst>
           </a:blip>
@@ -3420,7 +3425,7 @@
           <a:blip r:embed="rId7">
             <a:extLst>
               <a:ext uri="{96DAC541-7B7A-43D3-8B79-37D633B846F1}">
-                <asvg:svgBlip xmlns:asvg="http://schemas.microsoft.com/office/drawing/2016/SVG/main" xmlns="" r:embed="rId8"/>
+                <asvg:svgBlip xmlns="" xmlns:asvg="http://schemas.microsoft.com/office/drawing/2016/SVG/main" r:embed="rId8"/>
               </a:ext>
             </a:extLst>
           </a:blip>
@@ -3456,7 +3461,7 @@
           <a:blip r:embed="rId9">
             <a:extLst>
               <a:ext uri="{96DAC541-7B7A-43D3-8B79-37D633B846F1}">
-                <asvg:svgBlip xmlns:asvg="http://schemas.microsoft.com/office/drawing/2016/SVG/main" xmlns="" r:embed="rId10"/>
+                <asvg:svgBlip xmlns="" xmlns:asvg="http://schemas.microsoft.com/office/drawing/2016/SVG/main" r:embed="rId10"/>
               </a:ext>
             </a:extLst>
           </a:blip>
@@ -3531,7 +3536,7 @@
           <a:blip r:embed="rId11">
             <a:extLst>
               <a:ext uri="{96DAC541-7B7A-43D3-8B79-37D633B846F1}">
-                <asvg:svgBlip xmlns:asvg="http://schemas.microsoft.com/office/drawing/2016/SVG/main" xmlns="" r:embed="rId12"/>
+                <asvg:svgBlip xmlns="" xmlns:asvg="http://schemas.microsoft.com/office/drawing/2016/SVG/main" r:embed="rId12"/>
               </a:ext>
             </a:extLst>
           </a:blip>
@@ -3954,7 +3959,7 @@
           <a:blip r:embed="rId14">
             <a:extLst>
               <a:ext uri="{96DAC541-7B7A-43D3-8B79-37D633B846F1}">
-                <asvg:svgBlip xmlns:asvg="http://schemas.microsoft.com/office/drawing/2016/SVG/main" xmlns="" r:embed="rId18"/>
+                <asvg:svgBlip xmlns="" xmlns:asvg="http://schemas.microsoft.com/office/drawing/2016/SVG/main" r:embed="rId18"/>
               </a:ext>
             </a:extLst>
           </a:blip>
@@ -4150,15 +4155,7 @@
                 <a:ea typeface="Amazon Ember" panose="020B0603020204020204" pitchFamily="34" charset="0"/>
                 <a:cs typeface="Arial" panose="020B0604020202020204" pitchFamily="34" charset="0"/>
               </a:rPr>
-              <a:t>Provisioner instance</a:t>
-            </a:r>
-            <a:r>
-              <a:rPr lang="en-US" altLang="en-US" sz="1200" dirty="0" smtClean="0">
-                <a:latin typeface="Arial" panose="020B0604020202020204" pitchFamily="34" charset="0"/>
-                <a:ea typeface="Amazon Ember" panose="020B0603020204020204" pitchFamily="34" charset="0"/>
-                <a:cs typeface="Arial" panose="020B0604020202020204" pitchFamily="34" charset="0"/>
-              </a:rPr>
-              <a:t> </a:t>
+              <a:t>Provisioner instance </a:t>
             </a:r>
             <a:endParaRPr lang="en-US" altLang="en-US" sz="1200" dirty="0">
               <a:latin typeface="Arial" panose="020B0604020202020204" pitchFamily="34" charset="0"/>
@@ -4332,23 +4329,7 @@
                 <a:ea typeface="Amazon Ember" panose="020B0603020204020204" pitchFamily="34" charset="0"/>
                 <a:cs typeface="Arial" panose="020B0604020202020204" pitchFamily="34" charset="0"/>
               </a:rPr>
-              <a:t>ditorial </a:t>
-            </a:r>
-            <a:r>
-              <a:rPr lang="en-US" altLang="en-US" sz="1200" dirty="0" smtClean="0">
-                <a:latin typeface="Arial" panose="020B0604020202020204" pitchFamily="34" charset="0"/>
-                <a:ea typeface="Amazon Ember" panose="020B0603020204020204" pitchFamily="34" charset="0"/>
-                <a:cs typeface="Arial" panose="020B0604020202020204" pitchFamily="34" charset="0"/>
-              </a:rPr>
-              <a:t>w</a:t>
-            </a:r>
-            <a:r>
-              <a:rPr lang="en-US" altLang="en-US" sz="1200" dirty="0" smtClean="0">
-                <a:latin typeface="Arial" panose="020B0604020202020204" pitchFamily="34" charset="0"/>
-                <a:ea typeface="Amazon Ember" panose="020B0603020204020204" pitchFamily="34" charset="0"/>
-                <a:cs typeface="Arial" panose="020B0604020202020204" pitchFamily="34" charset="0"/>
-              </a:rPr>
-              <a:t>orkstation</a:t>
+              <a:t>ditorial workstation</a:t>
             </a:r>
             <a:endParaRPr lang="en-US" altLang="en-US" sz="1200" dirty="0">
               <a:latin typeface="Arial" panose="020B0604020202020204" pitchFamily="34" charset="0"/>
@@ -4522,23 +4503,7 @@
                 <a:ea typeface="Amazon Ember" panose="020B0603020204020204" pitchFamily="34" charset="0"/>
                 <a:cs typeface="Arial" panose="020B0604020202020204" pitchFamily="34" charset="0"/>
               </a:rPr>
-              <a:t>etrics </a:t>
-            </a:r>
-            <a:r>
-              <a:rPr lang="en-US" altLang="en-US" sz="1200" dirty="0" smtClean="0">
-                <a:latin typeface="Arial" panose="020B0604020202020204" pitchFamily="34" charset="0"/>
-                <a:ea typeface="Amazon Ember" panose="020B0603020204020204" pitchFamily="34" charset="0"/>
-                <a:cs typeface="Arial" panose="020B0604020202020204" pitchFamily="34" charset="0"/>
-              </a:rPr>
-              <a:t>c</a:t>
-            </a:r>
-            <a:r>
-              <a:rPr lang="en-US" altLang="en-US" sz="1200" dirty="0" smtClean="0">
-                <a:latin typeface="Arial" panose="020B0604020202020204" pitchFamily="34" charset="0"/>
-                <a:ea typeface="Amazon Ember" panose="020B0603020204020204" pitchFamily="34" charset="0"/>
-                <a:cs typeface="Arial" panose="020B0604020202020204" pitchFamily="34" charset="0"/>
-              </a:rPr>
-              <a:t>ollector</a:t>
+              <a:t>etrics collector</a:t>
             </a:r>
             <a:endParaRPr lang="en-US" altLang="en-US" sz="1200" dirty="0">
               <a:latin typeface="Arial" panose="020B0604020202020204" pitchFamily="34" charset="0"/>
@@ -4771,238 +4736,6 @@
       </p:sp>
       <p:sp>
         <p:nvSpPr>
-          <p:cNvPr id="22" name="TextBox 12">
-            <a:extLst>
-              <a:ext uri="{FF2B5EF4-FFF2-40B4-BE49-F238E27FC236}">
-                <a16:creationId xmlns:a16="http://schemas.microsoft.com/office/drawing/2014/main" id="{B27EC235-25F0-7A45-B514-AD825F18D497}"/>
-              </a:ext>
-            </a:extLst>
-          </p:cNvPr>
-          <p:cNvSpPr txBox="1">
-            <a:spLocks noChangeArrowheads="1"/>
-          </p:cNvSpPr>
-          <p:nvPr/>
-        </p:nvSpPr>
-        <p:spPr bwMode="auto">
-          <a:xfrm>
-            <a:off x="898862" y="3740129"/>
-            <a:ext cx="1403350" cy="461665"/>
-          </a:xfrm>
-          <a:prstGeom prst="rect">
-            <a:avLst/>
-          </a:prstGeom>
-          <a:noFill/>
-          <a:ln>
-            <a:noFill/>
-          </a:ln>
-          <a:extLst>
-            <a:ext uri="{909E8E84-426E-40DD-AFC4-6F175D3DCCD1}">
-              <a14:hiddenFill xmlns:a14="http://schemas.microsoft.com/office/drawing/2010/main">
-                <a:solidFill>
-                  <a:srgbClr val="FFFFFF"/>
-                </a:solidFill>
-              </a14:hiddenFill>
-            </a:ext>
-            <a:ext uri="{91240B29-F687-4F45-9708-019B960494DF}">
-              <a14:hiddenLine xmlns:a14="http://schemas.microsoft.com/office/drawing/2010/main" w="9525">
-                <a:solidFill>
-                  <a:srgbClr val="000000"/>
-                </a:solidFill>
-                <a:miter lim="800000"/>
-                <a:headEnd/>
-                <a:tailEnd/>
-              </a14:hiddenLine>
-            </a:ext>
-          </a:extLst>
-        </p:spPr>
-        <p:txBody>
-          <a:bodyPr>
-            <a:spAutoFit/>
-          </a:bodyPr>
-          <a:lstStyle>
-            <a:lvl1pPr>
-              <a:defRPr>
-                <a:solidFill>
-                  <a:schemeClr val="tx1"/>
-                </a:solidFill>
-                <a:latin typeface="Calibri" panose="020F0502020204030204" pitchFamily="34" charset="0"/>
-              </a:defRPr>
-            </a:lvl1pPr>
-            <a:lvl2pPr marL="742950" indent="-285750">
-              <a:defRPr>
-                <a:solidFill>
-                  <a:schemeClr val="tx1"/>
-                </a:solidFill>
-                <a:latin typeface="Calibri" panose="020F0502020204030204" pitchFamily="34" charset="0"/>
-              </a:defRPr>
-            </a:lvl2pPr>
-            <a:lvl3pPr marL="1143000" indent="-228600">
-              <a:defRPr>
-                <a:solidFill>
-                  <a:schemeClr val="tx1"/>
-                </a:solidFill>
-                <a:latin typeface="Calibri" panose="020F0502020204030204" pitchFamily="34" charset="0"/>
-              </a:defRPr>
-            </a:lvl3pPr>
-            <a:lvl4pPr marL="1600200" indent="-228600">
-              <a:defRPr>
-                <a:solidFill>
-                  <a:schemeClr val="tx1"/>
-                </a:solidFill>
-                <a:latin typeface="Calibri" panose="020F0502020204030204" pitchFamily="34" charset="0"/>
-              </a:defRPr>
-            </a:lvl4pPr>
-            <a:lvl5pPr marL="2057400" indent="-228600">
-              <a:defRPr>
-                <a:solidFill>
-                  <a:schemeClr val="tx1"/>
-                </a:solidFill>
-                <a:latin typeface="Calibri" panose="020F0502020204030204" pitchFamily="34" charset="0"/>
-              </a:defRPr>
-            </a:lvl5pPr>
-            <a:lvl6pPr marL="2514600" indent="-228600" eaLnBrk="0" fontAlgn="base" hangingPunct="0">
-              <a:spcBef>
-                <a:spcPct val="0"/>
-              </a:spcBef>
-              <a:spcAft>
-                <a:spcPct val="0"/>
-              </a:spcAft>
-              <a:defRPr>
-                <a:solidFill>
-                  <a:schemeClr val="tx1"/>
-                </a:solidFill>
-                <a:latin typeface="Calibri" panose="020F0502020204030204" pitchFamily="34" charset="0"/>
-              </a:defRPr>
-            </a:lvl6pPr>
-            <a:lvl7pPr marL="2971800" indent="-228600" eaLnBrk="0" fontAlgn="base" hangingPunct="0">
-              <a:spcBef>
-                <a:spcPct val="0"/>
-              </a:spcBef>
-              <a:spcAft>
-                <a:spcPct val="0"/>
-              </a:spcAft>
-              <a:defRPr>
-                <a:solidFill>
-                  <a:schemeClr val="tx1"/>
-                </a:solidFill>
-                <a:latin typeface="Calibri" panose="020F0502020204030204" pitchFamily="34" charset="0"/>
-              </a:defRPr>
-            </a:lvl7pPr>
-            <a:lvl8pPr marL="3429000" indent="-228600" eaLnBrk="0" fontAlgn="base" hangingPunct="0">
-              <a:spcBef>
-                <a:spcPct val="0"/>
-              </a:spcBef>
-              <a:spcAft>
-                <a:spcPct val="0"/>
-              </a:spcAft>
-              <a:defRPr>
-                <a:solidFill>
-                  <a:schemeClr val="tx1"/>
-                </a:solidFill>
-                <a:latin typeface="Calibri" panose="020F0502020204030204" pitchFamily="34" charset="0"/>
-              </a:defRPr>
-            </a:lvl8pPr>
-            <a:lvl9pPr marL="3886200" indent="-228600" eaLnBrk="0" fontAlgn="base" hangingPunct="0">
-              <a:spcBef>
-                <a:spcPct val="0"/>
-              </a:spcBef>
-              <a:spcAft>
-                <a:spcPct val="0"/>
-              </a:spcAft>
-              <a:defRPr>
-                <a:solidFill>
-                  <a:schemeClr val="tx1"/>
-                </a:solidFill>
-                <a:latin typeface="Calibri" panose="020F0502020204030204" pitchFamily="34" charset="0"/>
-              </a:defRPr>
-            </a:lvl9pPr>
-          </a:lstStyle>
-          <a:p>
-            <a:pPr algn="ctr" eaLnBrk="1" hangingPunct="1"/>
-            <a:r>
-              <a:rPr lang="en-US" altLang="en-US" sz="1200" dirty="0">
-                <a:latin typeface="Arial" panose="020B0604020202020204" pitchFamily="34" charset="0"/>
-                <a:ea typeface="Amazon Ember" panose="020B0603020204020204" pitchFamily="34" charset="0"/>
-                <a:cs typeface="Arial" panose="020B0604020202020204" pitchFamily="34" charset="0"/>
-              </a:rPr>
-              <a:t>Internet </a:t>
-            </a:r>
-          </a:p>
-          <a:p>
-            <a:pPr algn="ctr" eaLnBrk="1" hangingPunct="1"/>
-            <a:r>
-              <a:rPr lang="en-US" altLang="en-US" sz="1200" dirty="0">
-                <a:latin typeface="Arial" panose="020B0604020202020204" pitchFamily="34" charset="0"/>
-                <a:ea typeface="Amazon Ember" panose="020B0603020204020204" pitchFamily="34" charset="0"/>
-                <a:cs typeface="Arial" panose="020B0604020202020204" pitchFamily="34" charset="0"/>
-              </a:rPr>
-              <a:t>gateway</a:t>
-            </a:r>
-          </a:p>
-        </p:txBody>
-      </p:sp>
-      <p:pic>
-        <p:nvPicPr>
-          <p:cNvPr id="23" name="Graphic 10">
-            <a:extLst>
-              <a:ext uri="{FF2B5EF4-FFF2-40B4-BE49-F238E27FC236}">
-                <a16:creationId xmlns:a16="http://schemas.microsoft.com/office/drawing/2014/main" id="{0AAC1BE4-0C75-0641-87BB-528F20CFA177}"/>
-              </a:ext>
-            </a:extLst>
-          </p:cNvPr>
-          <p:cNvPicPr>
-            <a:picLocks noChangeAspect="1" noChangeArrowheads="1"/>
-          </p:cNvPicPr>
-          <p:nvPr/>
-        </p:nvPicPr>
-        <p:blipFill>
-          <a:blip r:embed="rId20" cstate="print">
-            <a:extLst>
-              <a:ext uri="{28A0092B-C50C-407E-A947-70E740481C1C}">
-                <a14:useLocalDpi xmlns:a14="http://schemas.microsoft.com/office/drawing/2010/main" val="0"/>
-              </a:ext>
-            </a:extLst>
-          </a:blip>
-          <a:srcRect/>
-          <a:stretch>
-            <a:fillRect/>
-          </a:stretch>
-        </p:blipFill>
-        <p:spPr bwMode="auto">
-          <a:xfrm>
-            <a:off x="1386679" y="3320252"/>
-            <a:ext cx="457200" cy="457200"/>
-          </a:xfrm>
-          <a:prstGeom prst="rect">
-            <a:avLst/>
-          </a:prstGeom>
-          <a:noFill/>
-          <a:ln>
-            <a:noFill/>
-          </a:ln>
-          <a:extLst>
-            <a:ext uri="{909E8E84-426E-40DD-AFC4-6F175D3DCCD1}">
-              <a14:hiddenFill xmlns:a14="http://schemas.microsoft.com/office/drawing/2010/main">
-                <a:solidFill>
-                  <a:srgbClr val="FFFFFF"/>
-                </a:solidFill>
-              </a14:hiddenFill>
-            </a:ext>
-            <a:ext uri="{91240B29-F687-4F45-9708-019B960494DF}">
-              <a14:hiddenLine xmlns:a14="http://schemas.microsoft.com/office/drawing/2010/main" w="9525">
-                <a:solidFill>
-                  <a:srgbClr val="000000"/>
-                </a:solidFill>
-                <a:miter lim="800000"/>
-                <a:headEnd/>
-                <a:tailEnd/>
-              </a14:hiddenLine>
-            </a:ext>
-          </a:extLst>
-        </p:spPr>
-      </p:pic>
-      <p:sp>
-        <p:nvSpPr>
           <p:cNvPr id="24" name="TextBox 18">
             <a:extLst>
               <a:ext uri="{FF2B5EF4-FFF2-40B4-BE49-F238E27FC236}">
@@ -5190,10 +4923,10 @@
           <p:nvPr/>
         </p:nvPicPr>
         <p:blipFill>
-          <a:blip r:embed="rId21">
+          <a:blip r:embed="rId20">
             <a:extLst>
               <a:ext uri="{96DAC541-7B7A-43D3-8B79-37D633B846F1}">
-                <asvg:svgBlip xmlns:asvg="http://schemas.microsoft.com/office/drawing/2016/SVG/main" xmlns="" r:embed="rId27"/>
+                <asvg:svgBlip xmlns="" xmlns:asvg="http://schemas.microsoft.com/office/drawing/2016/SVG/main" r:embed="rId27"/>
               </a:ext>
             </a:extLst>
           </a:blip>
@@ -5389,15 +5122,7 @@
                 <a:ea typeface="Amazon Ember" panose="020B0603020204020204" pitchFamily="34" charset="0"/>
                 <a:cs typeface="Arial" panose="020B0604020202020204" pitchFamily="34" charset="0"/>
               </a:rPr>
-              <a:t>Amazon </a:t>
-            </a:r>
-            <a:r>
-              <a:rPr lang="en-US" altLang="en-US" sz="1200" dirty="0" smtClean="0">
-                <a:latin typeface="Arial" panose="020B0604020202020204" pitchFamily="34" charset="0"/>
-                <a:ea typeface="Amazon Ember" panose="020B0603020204020204" pitchFamily="34" charset="0"/>
-                <a:cs typeface="Arial" panose="020B0604020202020204" pitchFamily="34" charset="0"/>
-              </a:rPr>
-              <a:t>EBS volumes</a:t>
+              <a:t>Amazon EBS volumes</a:t>
             </a:r>
             <a:endParaRPr lang="en-US" altLang="en-US" sz="1000" dirty="0">
               <a:latin typeface="Arial" panose="020B0604020202020204" pitchFamily="34" charset="0"/>
@@ -5563,23 +5288,7 @@
                 <a:ea typeface="Amazon Ember" panose="020B0603020204020204" pitchFamily="34" charset="0"/>
                 <a:cs typeface="Arial" panose="020B0604020202020204" pitchFamily="34" charset="0"/>
               </a:rPr>
-              <a:t>EBS </a:t>
-            </a:r>
-            <a:r>
-              <a:rPr lang="en-US" altLang="en-US" sz="1200" dirty="0" smtClean="0">
-                <a:latin typeface="Arial" panose="020B0604020202020204" pitchFamily="34" charset="0"/>
-                <a:ea typeface="Amazon Ember" panose="020B0603020204020204" pitchFamily="34" charset="0"/>
-                <a:cs typeface="Arial" panose="020B0604020202020204" pitchFamily="34" charset="0"/>
-              </a:rPr>
-              <a:t>h</a:t>
-            </a:r>
-            <a:r>
-              <a:rPr lang="en-US" altLang="en-US" sz="1200" dirty="0" smtClean="0">
-                <a:latin typeface="Arial" panose="020B0604020202020204" pitchFamily="34" charset="0"/>
-                <a:ea typeface="Amazon Ember" panose="020B0603020204020204" pitchFamily="34" charset="0"/>
-                <a:cs typeface="Arial" panose="020B0604020202020204" pitchFamily="34" charset="0"/>
-              </a:rPr>
-              <a:t>ealth monitor</a:t>
+              <a:t>EBS health monitor</a:t>
             </a:r>
             <a:endParaRPr lang="en-US" altLang="en-US" sz="1200" dirty="0">
               <a:latin typeface="Arial" panose="020B0604020202020204" pitchFamily="34" charset="0"/>
@@ -6225,7 +5934,7 @@
           <a:blip r:embed="rId29">
             <a:extLst>
               <a:ext uri="{96DAC541-7B7A-43D3-8B79-37D633B846F1}">
-                <asvg:svgBlip xmlns:asvg="http://schemas.microsoft.com/office/drawing/2016/SVG/main" xmlns="" r:embed="rId31"/>
+                <asvg:svgBlip xmlns="" xmlns:asvg="http://schemas.microsoft.com/office/drawing/2016/SVG/main" r:embed="rId31"/>
               </a:ext>
             </a:extLst>
           </a:blip>
@@ -6283,7 +5992,7 @@
           <a:blip r:embed="rId32">
             <a:extLst>
               <a:ext uri="{96DAC541-7B7A-43D3-8B79-37D633B846F1}">
-                <asvg:svgBlip xmlns:asvg="http://schemas.microsoft.com/office/drawing/2016/SVG/main" xmlns="" r:embed="rId36"/>
+                <asvg:svgBlip xmlns="" xmlns:asvg="http://schemas.microsoft.com/office/drawing/2016/SVG/main" r:embed="rId36"/>
               </a:ext>
             </a:extLst>
           </a:blip>
@@ -6292,7 +6001,7 @@
         </p:blipFill>
         <p:spPr bwMode="auto">
           <a:xfrm>
-            <a:off x="6051875" y="1222063"/>
+            <a:off x="6051875" y="1201773"/>
             <a:ext cx="457200" cy="457200"/>
           </a:xfrm>
           <a:prstGeom prst="rect">
@@ -6352,7 +6061,7 @@
         </p:blipFill>
         <p:spPr bwMode="auto">
           <a:xfrm>
-            <a:off x="6026563" y="2677448"/>
+            <a:off x="6051204" y="2672463"/>
             <a:ext cx="457200" cy="457200"/>
           </a:xfrm>
           <a:prstGeom prst="rect">
@@ -6469,51 +6178,6 @@
             </a:solidFill>
             <a:headEnd type="none" w="med" len="sm"/>
             <a:tailEnd type="arrow" w="med" len="sm"/>
-          </a:ln>
-        </p:spPr>
-        <p:style>
-          <a:lnRef idx="1">
-            <a:schemeClr val="accent1"/>
-          </a:lnRef>
-          <a:fillRef idx="0">
-            <a:schemeClr val="accent1"/>
-          </a:fillRef>
-          <a:effectRef idx="0">
-            <a:schemeClr val="accent1"/>
-          </a:effectRef>
-          <a:fontRef idx="minor">
-            <a:schemeClr val="tx1"/>
-          </a:fontRef>
-        </p:style>
-      </p:cxnSp>
-      <p:cxnSp>
-        <p:nvCxnSpPr>
-          <p:cNvPr id="38" name="Straight Arrow Connector 37">
-            <a:extLst>
-              <a:ext uri="{FF2B5EF4-FFF2-40B4-BE49-F238E27FC236}">
-                <a16:creationId xmlns:a16="http://schemas.microsoft.com/office/drawing/2014/main" id="{16E7767C-009C-7849-8CC6-CD27B927F59E}"/>
-              </a:ext>
-            </a:extLst>
-          </p:cNvPr>
-          <p:cNvCxnSpPr>
-            <a:cxnSpLocks/>
-          </p:cNvCxnSpPr>
-          <p:nvPr/>
-        </p:nvCxnSpPr>
-        <p:spPr>
-          <a:xfrm>
-            <a:off x="3593703" y="1481187"/>
-            <a:ext cx="1005840" cy="0"/>
-          </a:xfrm>
-          <a:prstGeom prst="straightConnector1">
-            <a:avLst/>
-          </a:prstGeom>
-          <a:ln w="12700">
-            <a:solidFill>
-              <a:srgbClr val="545B64"/>
-            </a:solidFill>
-            <a:headEnd type="none" w="med" len="sm"/>
-            <a:tailEnd type="arrow"/>
           </a:ln>
         </p:spPr>
         <p:style>
@@ -6934,6 +6598,238 @@
           </a:extLst>
         </p:spPr>
       </p:pic>
+      <p:pic>
+        <p:nvPicPr>
+          <p:cNvPr id="23" name="Graphic 10">
+            <a:extLst>
+              <a:ext uri="{FF2B5EF4-FFF2-40B4-BE49-F238E27FC236}">
+                <a16:creationId xmlns:a16="http://schemas.microsoft.com/office/drawing/2014/main" id="{0AAC1BE4-0C75-0641-87BB-528F20CFA177}"/>
+              </a:ext>
+            </a:extLst>
+          </p:cNvPr>
+          <p:cNvPicPr>
+            <a:picLocks noChangeAspect="1" noChangeArrowheads="1"/>
+          </p:cNvPicPr>
+          <p:nvPr/>
+        </p:nvPicPr>
+        <p:blipFill>
+          <a:blip r:embed="rId41" cstate="print">
+            <a:extLst>
+              <a:ext uri="{28A0092B-C50C-407E-A947-70E740481C1C}">
+                <a14:useLocalDpi xmlns:a14="http://schemas.microsoft.com/office/drawing/2010/main" val="0"/>
+              </a:ext>
+            </a:extLst>
+          </a:blip>
+          <a:srcRect/>
+          <a:stretch>
+            <a:fillRect/>
+          </a:stretch>
+        </p:blipFill>
+        <p:spPr bwMode="auto">
+          <a:xfrm>
+            <a:off x="1386679" y="3320252"/>
+            <a:ext cx="457200" cy="457200"/>
+          </a:xfrm>
+          <a:prstGeom prst="rect">
+            <a:avLst/>
+          </a:prstGeom>
+          <a:noFill/>
+          <a:ln>
+            <a:noFill/>
+          </a:ln>
+          <a:extLst>
+            <a:ext uri="{909E8E84-426E-40DD-AFC4-6F175D3DCCD1}">
+              <a14:hiddenFill xmlns:a14="http://schemas.microsoft.com/office/drawing/2010/main">
+                <a:solidFill>
+                  <a:srgbClr val="FFFFFF"/>
+                </a:solidFill>
+              </a14:hiddenFill>
+            </a:ext>
+            <a:ext uri="{91240B29-F687-4F45-9708-019B960494DF}">
+              <a14:hiddenLine xmlns:a14="http://schemas.microsoft.com/office/drawing/2010/main" w="9525">
+                <a:solidFill>
+                  <a:srgbClr val="000000"/>
+                </a:solidFill>
+                <a:miter lim="800000"/>
+                <a:headEnd/>
+                <a:tailEnd/>
+              </a14:hiddenLine>
+            </a:ext>
+          </a:extLst>
+        </p:spPr>
+      </p:pic>
+      <p:sp>
+        <p:nvSpPr>
+          <p:cNvPr id="22" name="TextBox 12">
+            <a:extLst>
+              <a:ext uri="{FF2B5EF4-FFF2-40B4-BE49-F238E27FC236}">
+                <a16:creationId xmlns:a16="http://schemas.microsoft.com/office/drawing/2014/main" id="{B27EC235-25F0-7A45-B514-AD825F18D497}"/>
+              </a:ext>
+            </a:extLst>
+          </p:cNvPr>
+          <p:cNvSpPr txBox="1">
+            <a:spLocks noChangeArrowheads="1"/>
+          </p:cNvSpPr>
+          <p:nvPr/>
+        </p:nvSpPr>
+        <p:spPr bwMode="auto">
+          <a:xfrm>
+            <a:off x="898862" y="3740129"/>
+            <a:ext cx="1403350" cy="461665"/>
+          </a:xfrm>
+          <a:prstGeom prst="rect">
+            <a:avLst/>
+          </a:prstGeom>
+          <a:noFill/>
+          <a:ln>
+            <a:noFill/>
+          </a:ln>
+          <a:extLst>
+            <a:ext uri="{909E8E84-426E-40DD-AFC4-6F175D3DCCD1}">
+              <a14:hiddenFill xmlns:a14="http://schemas.microsoft.com/office/drawing/2010/main">
+                <a:solidFill>
+                  <a:srgbClr val="FFFFFF"/>
+                </a:solidFill>
+              </a14:hiddenFill>
+            </a:ext>
+            <a:ext uri="{91240B29-F687-4F45-9708-019B960494DF}">
+              <a14:hiddenLine xmlns:a14="http://schemas.microsoft.com/office/drawing/2010/main" w="9525">
+                <a:solidFill>
+                  <a:srgbClr val="000000"/>
+                </a:solidFill>
+                <a:miter lim="800000"/>
+                <a:headEnd/>
+                <a:tailEnd/>
+              </a14:hiddenLine>
+            </a:ext>
+          </a:extLst>
+        </p:spPr>
+        <p:txBody>
+          <a:bodyPr>
+            <a:spAutoFit/>
+          </a:bodyPr>
+          <a:lstStyle>
+            <a:lvl1pPr>
+              <a:defRPr>
+                <a:solidFill>
+                  <a:schemeClr val="tx1"/>
+                </a:solidFill>
+                <a:latin typeface="Calibri" panose="020F0502020204030204" pitchFamily="34" charset="0"/>
+              </a:defRPr>
+            </a:lvl1pPr>
+            <a:lvl2pPr marL="742950" indent="-285750">
+              <a:defRPr>
+                <a:solidFill>
+                  <a:schemeClr val="tx1"/>
+                </a:solidFill>
+                <a:latin typeface="Calibri" panose="020F0502020204030204" pitchFamily="34" charset="0"/>
+              </a:defRPr>
+            </a:lvl2pPr>
+            <a:lvl3pPr marL="1143000" indent="-228600">
+              <a:defRPr>
+                <a:solidFill>
+                  <a:schemeClr val="tx1"/>
+                </a:solidFill>
+                <a:latin typeface="Calibri" panose="020F0502020204030204" pitchFamily="34" charset="0"/>
+              </a:defRPr>
+            </a:lvl3pPr>
+            <a:lvl4pPr marL="1600200" indent="-228600">
+              <a:defRPr>
+                <a:solidFill>
+                  <a:schemeClr val="tx1"/>
+                </a:solidFill>
+                <a:latin typeface="Calibri" panose="020F0502020204030204" pitchFamily="34" charset="0"/>
+              </a:defRPr>
+            </a:lvl4pPr>
+            <a:lvl5pPr marL="2057400" indent="-228600">
+              <a:defRPr>
+                <a:solidFill>
+                  <a:schemeClr val="tx1"/>
+                </a:solidFill>
+                <a:latin typeface="Calibri" panose="020F0502020204030204" pitchFamily="34" charset="0"/>
+              </a:defRPr>
+            </a:lvl5pPr>
+            <a:lvl6pPr marL="2514600" indent="-228600" eaLnBrk="0" fontAlgn="base" hangingPunct="0">
+              <a:spcBef>
+                <a:spcPct val="0"/>
+              </a:spcBef>
+              <a:spcAft>
+                <a:spcPct val="0"/>
+              </a:spcAft>
+              <a:defRPr>
+                <a:solidFill>
+                  <a:schemeClr val="tx1"/>
+                </a:solidFill>
+                <a:latin typeface="Calibri" panose="020F0502020204030204" pitchFamily="34" charset="0"/>
+              </a:defRPr>
+            </a:lvl6pPr>
+            <a:lvl7pPr marL="2971800" indent="-228600" eaLnBrk="0" fontAlgn="base" hangingPunct="0">
+              <a:spcBef>
+                <a:spcPct val="0"/>
+              </a:spcBef>
+              <a:spcAft>
+                <a:spcPct val="0"/>
+              </a:spcAft>
+              <a:defRPr>
+                <a:solidFill>
+                  <a:schemeClr val="tx1"/>
+                </a:solidFill>
+                <a:latin typeface="Calibri" panose="020F0502020204030204" pitchFamily="34" charset="0"/>
+              </a:defRPr>
+            </a:lvl7pPr>
+            <a:lvl8pPr marL="3429000" indent="-228600" eaLnBrk="0" fontAlgn="base" hangingPunct="0">
+              <a:spcBef>
+                <a:spcPct val="0"/>
+              </a:spcBef>
+              <a:spcAft>
+                <a:spcPct val="0"/>
+              </a:spcAft>
+              <a:defRPr>
+                <a:solidFill>
+                  <a:schemeClr val="tx1"/>
+                </a:solidFill>
+                <a:latin typeface="Calibri" panose="020F0502020204030204" pitchFamily="34" charset="0"/>
+              </a:defRPr>
+            </a:lvl8pPr>
+            <a:lvl9pPr marL="3886200" indent="-228600" eaLnBrk="0" fontAlgn="base" hangingPunct="0">
+              <a:spcBef>
+                <a:spcPct val="0"/>
+              </a:spcBef>
+              <a:spcAft>
+                <a:spcPct val="0"/>
+              </a:spcAft>
+              <a:defRPr>
+                <a:solidFill>
+                  <a:schemeClr val="tx1"/>
+                </a:solidFill>
+                <a:latin typeface="Calibri" panose="020F0502020204030204" pitchFamily="34" charset="0"/>
+              </a:defRPr>
+            </a:lvl9pPr>
+          </a:lstStyle>
+          <a:p>
+            <a:pPr algn="ctr" eaLnBrk="1" hangingPunct="1"/>
+            <a:r>
+              <a:rPr lang="en-US" altLang="en-US" sz="1200" dirty="0">
+                <a:latin typeface="Arial" panose="020B0604020202020204" pitchFamily="34" charset="0"/>
+                <a:ea typeface="Amazon Ember" panose="020B0603020204020204" pitchFamily="34" charset="0"/>
+                <a:cs typeface="Arial" panose="020B0604020202020204" pitchFamily="34" charset="0"/>
+              </a:rPr>
+              <a:t>Internet </a:t>
+            </a:r>
+          </a:p>
+          <a:p>
+            <a:pPr algn="ctr" eaLnBrk="1" hangingPunct="1"/>
+            <a:r>
+              <a:rPr lang="en-US" altLang="en-US" sz="1200" dirty="0">
+                <a:latin typeface="Arial" panose="020B0604020202020204" pitchFamily="34" charset="0"/>
+                <a:ea typeface="Amazon Ember" panose="020B0603020204020204" pitchFamily="34" charset="0"/>
+                <a:cs typeface="Arial" panose="020B0604020202020204" pitchFamily="34" charset="0"/>
+              </a:rPr>
+              <a:t>gateway</a:t>
+            </a:r>
+          </a:p>
+        </p:txBody>
+      </p:sp>
     </p:spTree>
     <p:extLst>
       <p:ext uri="{BB962C8B-B14F-4D97-AF65-F5344CB8AC3E}">

--- a/docs/images/qumulo-architecture-diagram.pptx
+++ b/docs/images/qumulo-architecture-diagram.pptx
@@ -3931,7 +3931,15 @@
                 <a:ea typeface="Amazon Ember" panose="020B0603020204020204" pitchFamily="34" charset="0"/>
                 <a:cs typeface="Arial" panose="020B0604020202020204" pitchFamily="34" charset="0"/>
               </a:rPr>
-              <a:t>Qumulo Core instances</a:t>
+              <a:t>Qumulo Core </a:t>
+            </a:r>
+            <a:r>
+              <a:rPr lang="en-US" altLang="en-US" sz="1200" dirty="0" smtClean="0">
+                <a:latin typeface="Arial" panose="020B0604020202020204" pitchFamily="34" charset="0"/>
+                <a:ea typeface="Amazon Ember" panose="020B0603020204020204" pitchFamily="34" charset="0"/>
+                <a:cs typeface="Arial" panose="020B0604020202020204" pitchFamily="34" charset="0"/>
+              </a:rPr>
+              <a:t>instances</a:t>
             </a:r>
             <a:endParaRPr lang="en-US" altLang="en-US" sz="1200" dirty="0">
               <a:latin typeface="Arial" panose="020B0604020202020204" pitchFamily="34" charset="0"/>
@@ -6633,29 +6641,13 @@
           <a:prstGeom prst="rect">
             <a:avLst/>
           </a:prstGeom>
-          <a:noFill/>
+          <a:solidFill>
+            <a:schemeClr val="bg1"/>
+          </a:solidFill>
           <a:ln>
             <a:noFill/>
           </a:ln>
-          <a:extLst>
-            <a:ext uri="{909E8E84-426E-40DD-AFC4-6F175D3DCCD1}">
-              <a14:hiddenFill xmlns:a14="http://schemas.microsoft.com/office/drawing/2010/main">
-                <a:solidFill>
-                  <a:srgbClr val="FFFFFF"/>
-                </a:solidFill>
-              </a14:hiddenFill>
-            </a:ext>
-            <a:ext uri="{91240B29-F687-4F45-9708-019B960494DF}">
-              <a14:hiddenLine xmlns:a14="http://schemas.microsoft.com/office/drawing/2010/main" w="9525">
-                <a:solidFill>
-                  <a:srgbClr val="000000"/>
-                </a:solidFill>
-                <a:miter lim="800000"/>
-                <a:headEnd/>
-                <a:tailEnd/>
-              </a14:hiddenLine>
-            </a:ext>
-          </a:extLst>
+          <a:extLst/>
         </p:spPr>
       </p:pic>
       <p:sp>

--- a/docs/images/qumulo-architecture-diagram.pptx
+++ b/docs/images/qumulo-architecture-diagram.pptx
@@ -3775,180 +3775,6 @@
           </a:p>
         </p:txBody>
       </p:sp>
-      <p:sp>
-        <p:nvSpPr>
-          <p:cNvPr id="15" name="TextBox 6">
-            <a:extLst>
-              <a:ext uri="{FF2B5EF4-FFF2-40B4-BE49-F238E27FC236}">
-                <a16:creationId xmlns:a16="http://schemas.microsoft.com/office/drawing/2014/main" id="{A485A8F9-1756-3A41-8B50-35D80A156A13}"/>
-              </a:ext>
-            </a:extLst>
-          </p:cNvPr>
-          <p:cNvSpPr txBox="1">
-            <a:spLocks noChangeArrowheads="1"/>
-          </p:cNvSpPr>
-          <p:nvPr/>
-        </p:nvSpPr>
-        <p:spPr bwMode="auto">
-          <a:xfrm>
-            <a:off x="2523197" y="3184023"/>
-            <a:ext cx="1697398" cy="461665"/>
-          </a:xfrm>
-          <a:prstGeom prst="rect">
-            <a:avLst/>
-          </a:prstGeom>
-          <a:noFill/>
-          <a:ln>
-            <a:noFill/>
-          </a:ln>
-          <a:extLst>
-            <a:ext uri="{909E8E84-426E-40DD-AFC4-6F175D3DCCD1}">
-              <a14:hiddenFill xmlns:a14="http://schemas.microsoft.com/office/drawing/2010/main">
-                <a:solidFill>
-                  <a:srgbClr val="FFFFFF"/>
-                </a:solidFill>
-              </a14:hiddenFill>
-            </a:ext>
-            <a:ext uri="{91240B29-F687-4F45-9708-019B960494DF}">
-              <a14:hiddenLine xmlns:a14="http://schemas.microsoft.com/office/drawing/2010/main" w="9525">
-                <a:solidFill>
-                  <a:srgbClr val="000000"/>
-                </a:solidFill>
-                <a:miter lim="800000"/>
-                <a:headEnd/>
-                <a:tailEnd/>
-              </a14:hiddenLine>
-            </a:ext>
-          </a:extLst>
-        </p:spPr>
-        <p:txBody>
-          <a:bodyPr wrap="square">
-            <a:spAutoFit/>
-          </a:bodyPr>
-          <a:lstStyle>
-            <a:lvl1pPr>
-              <a:defRPr>
-                <a:solidFill>
-                  <a:schemeClr val="tx1"/>
-                </a:solidFill>
-                <a:latin typeface="Calibri" panose="020F0502020204030204" pitchFamily="34" charset="0"/>
-              </a:defRPr>
-            </a:lvl1pPr>
-            <a:lvl2pPr marL="742950" indent="-285750">
-              <a:defRPr>
-                <a:solidFill>
-                  <a:schemeClr val="tx1"/>
-                </a:solidFill>
-                <a:latin typeface="Calibri" panose="020F0502020204030204" pitchFamily="34" charset="0"/>
-              </a:defRPr>
-            </a:lvl2pPr>
-            <a:lvl3pPr marL="1143000" indent="-228600">
-              <a:defRPr>
-                <a:solidFill>
-                  <a:schemeClr val="tx1"/>
-                </a:solidFill>
-                <a:latin typeface="Calibri" panose="020F0502020204030204" pitchFamily="34" charset="0"/>
-              </a:defRPr>
-            </a:lvl3pPr>
-            <a:lvl4pPr marL="1600200" indent="-228600">
-              <a:defRPr>
-                <a:solidFill>
-                  <a:schemeClr val="tx1"/>
-                </a:solidFill>
-                <a:latin typeface="Calibri" panose="020F0502020204030204" pitchFamily="34" charset="0"/>
-              </a:defRPr>
-            </a:lvl4pPr>
-            <a:lvl5pPr marL="2057400" indent="-228600">
-              <a:defRPr>
-                <a:solidFill>
-                  <a:schemeClr val="tx1"/>
-                </a:solidFill>
-                <a:latin typeface="Calibri" panose="020F0502020204030204" pitchFamily="34" charset="0"/>
-              </a:defRPr>
-            </a:lvl5pPr>
-            <a:lvl6pPr marL="2514600" indent="-228600" eaLnBrk="0" fontAlgn="base" hangingPunct="0">
-              <a:spcBef>
-                <a:spcPct val="0"/>
-              </a:spcBef>
-              <a:spcAft>
-                <a:spcPct val="0"/>
-              </a:spcAft>
-              <a:defRPr>
-                <a:solidFill>
-                  <a:schemeClr val="tx1"/>
-                </a:solidFill>
-                <a:latin typeface="Calibri" panose="020F0502020204030204" pitchFamily="34" charset="0"/>
-              </a:defRPr>
-            </a:lvl6pPr>
-            <a:lvl7pPr marL="2971800" indent="-228600" eaLnBrk="0" fontAlgn="base" hangingPunct="0">
-              <a:spcBef>
-                <a:spcPct val="0"/>
-              </a:spcBef>
-              <a:spcAft>
-                <a:spcPct val="0"/>
-              </a:spcAft>
-              <a:defRPr>
-                <a:solidFill>
-                  <a:schemeClr val="tx1"/>
-                </a:solidFill>
-                <a:latin typeface="Calibri" panose="020F0502020204030204" pitchFamily="34" charset="0"/>
-              </a:defRPr>
-            </a:lvl7pPr>
-            <a:lvl8pPr marL="3429000" indent="-228600" eaLnBrk="0" fontAlgn="base" hangingPunct="0">
-              <a:spcBef>
-                <a:spcPct val="0"/>
-              </a:spcBef>
-              <a:spcAft>
-                <a:spcPct val="0"/>
-              </a:spcAft>
-              <a:defRPr>
-                <a:solidFill>
-                  <a:schemeClr val="tx1"/>
-                </a:solidFill>
-                <a:latin typeface="Calibri" panose="020F0502020204030204" pitchFamily="34" charset="0"/>
-              </a:defRPr>
-            </a:lvl8pPr>
-            <a:lvl9pPr marL="3886200" indent="-228600" eaLnBrk="0" fontAlgn="base" hangingPunct="0">
-              <a:spcBef>
-                <a:spcPct val="0"/>
-              </a:spcBef>
-              <a:spcAft>
-                <a:spcPct val="0"/>
-              </a:spcAft>
-              <a:defRPr>
-                <a:solidFill>
-                  <a:schemeClr val="tx1"/>
-                </a:solidFill>
-                <a:latin typeface="Calibri" panose="020F0502020204030204" pitchFamily="34" charset="0"/>
-              </a:defRPr>
-            </a:lvl9pPr>
-          </a:lstStyle>
-          <a:p>
-            <a:pPr algn="ctr" eaLnBrk="1" hangingPunct="1"/>
-            <a:r>
-              <a:rPr lang="en-US" altLang="en-US" sz="1200" dirty="0" smtClean="0">
-                <a:latin typeface="Arial" panose="020B0604020202020204" pitchFamily="34" charset="0"/>
-                <a:ea typeface="Amazon Ember" panose="020B0603020204020204" pitchFamily="34" charset="0"/>
-                <a:cs typeface="Arial" panose="020B0604020202020204" pitchFamily="34" charset="0"/>
-              </a:rPr>
-              <a:t>Qumulo Core </a:t>
-            </a:r>
-            <a:r>
-              <a:rPr lang="en-US" altLang="en-US" sz="1200" dirty="0" smtClean="0">
-                <a:latin typeface="Arial" panose="020B0604020202020204" pitchFamily="34" charset="0"/>
-                <a:ea typeface="Amazon Ember" panose="020B0603020204020204" pitchFamily="34" charset="0"/>
-                <a:cs typeface="Arial" panose="020B0604020202020204" pitchFamily="34" charset="0"/>
-              </a:rPr>
-              <a:t>instances</a:t>
-            </a:r>
-            <a:endParaRPr lang="en-US" altLang="en-US" sz="1200" dirty="0">
-              <a:latin typeface="Arial" panose="020B0604020202020204" pitchFamily="34" charset="0"/>
-              <a:ea typeface="Amazon Ember" panose="020B0603020204020204" pitchFamily="34" charset="0"/>
-              <a:cs typeface="Arial" panose="020B0604020202020204" pitchFamily="34" charset="0"/>
-            </a:endParaRPr>
-          </a:p>
-        </p:txBody>
-      </p:sp>
       <p:pic>
         <p:nvPicPr>
           <p:cNvPr id="16" name="Graphic 56">
@@ -6819,6 +6645,180 @@
               </a:rPr>
               <a:t>gateway</a:t>
             </a:r>
+          </a:p>
+        </p:txBody>
+      </p:sp>
+      <p:sp>
+        <p:nvSpPr>
+          <p:cNvPr id="47" name="TextBox 46">
+            <a:extLst>
+              <a:ext uri="{FF2B5EF4-FFF2-40B4-BE49-F238E27FC236}">
+                <a16:creationId xmlns:a16="http://schemas.microsoft.com/office/drawing/2014/main" id="{E124D8E6-5172-8E41-A3F2-7DC3742F7A04}"/>
+              </a:ext>
+            </a:extLst>
+          </p:cNvPr>
+          <p:cNvSpPr txBox="1">
+            <a:spLocks noChangeArrowheads="1"/>
+          </p:cNvSpPr>
+          <p:nvPr/>
+        </p:nvSpPr>
+        <p:spPr bwMode="auto">
+          <a:xfrm>
+            <a:off x="2866288" y="3185405"/>
+            <a:ext cx="1115904" cy="461665"/>
+          </a:xfrm>
+          <a:prstGeom prst="rect">
+            <a:avLst/>
+          </a:prstGeom>
+          <a:noFill/>
+          <a:ln>
+            <a:noFill/>
+          </a:ln>
+          <a:extLst>
+            <a:ext uri="{909E8E84-426E-40DD-AFC4-6F175D3DCCD1}">
+              <a14:hiddenFill xmlns:a14="http://schemas.microsoft.com/office/drawing/2010/main">
+                <a:solidFill>
+                  <a:srgbClr val="FFFFFF"/>
+                </a:solidFill>
+              </a14:hiddenFill>
+            </a:ext>
+            <a:ext uri="{91240B29-F687-4F45-9708-019B960494DF}">
+              <a14:hiddenLine xmlns:a14="http://schemas.microsoft.com/office/drawing/2010/main" w="9525">
+                <a:solidFill>
+                  <a:srgbClr val="000000"/>
+                </a:solidFill>
+                <a:miter lim="800000"/>
+                <a:headEnd/>
+                <a:tailEnd/>
+              </a14:hiddenLine>
+            </a:ext>
+          </a:extLst>
+        </p:spPr>
+        <p:txBody>
+          <a:bodyPr wrap="square" lIns="0" rIns="0">
+            <a:spAutoFit/>
+          </a:bodyPr>
+          <a:lstStyle>
+            <a:lvl1pPr>
+              <a:defRPr>
+                <a:solidFill>
+                  <a:schemeClr val="tx1"/>
+                </a:solidFill>
+                <a:latin typeface="Calibri" panose="020F0502020204030204" pitchFamily="34" charset="0"/>
+              </a:defRPr>
+            </a:lvl1pPr>
+            <a:lvl2pPr marL="742950" indent="-285750">
+              <a:defRPr>
+                <a:solidFill>
+                  <a:schemeClr val="tx1"/>
+                </a:solidFill>
+                <a:latin typeface="Calibri" panose="020F0502020204030204" pitchFamily="34" charset="0"/>
+              </a:defRPr>
+            </a:lvl2pPr>
+            <a:lvl3pPr marL="1143000" indent="-228600">
+              <a:defRPr>
+                <a:solidFill>
+                  <a:schemeClr val="tx1"/>
+                </a:solidFill>
+                <a:latin typeface="Calibri" panose="020F0502020204030204" pitchFamily="34" charset="0"/>
+              </a:defRPr>
+            </a:lvl3pPr>
+            <a:lvl4pPr marL="1600200" indent="-228600">
+              <a:defRPr>
+                <a:solidFill>
+                  <a:schemeClr val="tx1"/>
+                </a:solidFill>
+                <a:latin typeface="Calibri" panose="020F0502020204030204" pitchFamily="34" charset="0"/>
+              </a:defRPr>
+            </a:lvl4pPr>
+            <a:lvl5pPr marL="2057400" indent="-228600">
+              <a:defRPr>
+                <a:solidFill>
+                  <a:schemeClr val="tx1"/>
+                </a:solidFill>
+                <a:latin typeface="Calibri" panose="020F0502020204030204" pitchFamily="34" charset="0"/>
+              </a:defRPr>
+            </a:lvl5pPr>
+            <a:lvl6pPr marL="2514600" indent="-228600" eaLnBrk="0" fontAlgn="base" hangingPunct="0">
+              <a:spcBef>
+                <a:spcPct val="0"/>
+              </a:spcBef>
+              <a:spcAft>
+                <a:spcPct val="0"/>
+              </a:spcAft>
+              <a:defRPr>
+                <a:solidFill>
+                  <a:schemeClr val="tx1"/>
+                </a:solidFill>
+                <a:latin typeface="Calibri" panose="020F0502020204030204" pitchFamily="34" charset="0"/>
+              </a:defRPr>
+            </a:lvl6pPr>
+            <a:lvl7pPr marL="2971800" indent="-228600" eaLnBrk="0" fontAlgn="base" hangingPunct="0">
+              <a:spcBef>
+                <a:spcPct val="0"/>
+              </a:spcBef>
+              <a:spcAft>
+                <a:spcPct val="0"/>
+              </a:spcAft>
+              <a:defRPr>
+                <a:solidFill>
+                  <a:schemeClr val="tx1"/>
+                </a:solidFill>
+                <a:latin typeface="Calibri" panose="020F0502020204030204" pitchFamily="34" charset="0"/>
+              </a:defRPr>
+            </a:lvl7pPr>
+            <a:lvl8pPr marL="3429000" indent="-228600" eaLnBrk="0" fontAlgn="base" hangingPunct="0">
+              <a:spcBef>
+                <a:spcPct val="0"/>
+              </a:spcBef>
+              <a:spcAft>
+                <a:spcPct val="0"/>
+              </a:spcAft>
+              <a:defRPr>
+                <a:solidFill>
+                  <a:schemeClr val="tx1"/>
+                </a:solidFill>
+                <a:latin typeface="Calibri" panose="020F0502020204030204" pitchFamily="34" charset="0"/>
+              </a:defRPr>
+            </a:lvl8pPr>
+            <a:lvl9pPr marL="3886200" indent="-228600" eaLnBrk="0" fontAlgn="base" hangingPunct="0">
+              <a:spcBef>
+                <a:spcPct val="0"/>
+              </a:spcBef>
+              <a:spcAft>
+                <a:spcPct val="0"/>
+              </a:spcAft>
+              <a:defRPr>
+                <a:solidFill>
+                  <a:schemeClr val="tx1"/>
+                </a:solidFill>
+                <a:latin typeface="Calibri" panose="020F0502020204030204" pitchFamily="34" charset="0"/>
+              </a:defRPr>
+            </a:lvl9pPr>
+          </a:lstStyle>
+          <a:p>
+            <a:pPr algn="ctr" eaLnBrk="1" hangingPunct="1"/>
+            <a:r>
+              <a:rPr lang="en-US" altLang="en-US" sz="1200" dirty="0" smtClean="0">
+                <a:latin typeface="Arial" panose="020B0604020202020204" pitchFamily="34" charset="0"/>
+                <a:ea typeface="Amazon Ember" panose="020B0603020204020204" pitchFamily="34" charset="0"/>
+                <a:cs typeface="Arial" panose="020B0604020202020204" pitchFamily="34" charset="0"/>
+              </a:rPr>
+              <a:t>Qumulo</a:t>
+            </a:r>
+            <a:r>
+              <a:rPr lang="en-US" altLang="en-US" sz="1200" dirty="0" smtClean="0">
+                <a:latin typeface="Arial" panose="020B0604020202020204" pitchFamily="34" charset="0"/>
+                <a:ea typeface="Amazon Ember" panose="020B0603020204020204" pitchFamily="34" charset="0"/>
+                <a:cs typeface="Arial" panose="020B0604020202020204" pitchFamily="34" charset="0"/>
+              </a:rPr>
+              <a:t> instances </a:t>
+            </a:r>
+            <a:endParaRPr lang="en-US" altLang="en-US" sz="1200" dirty="0">
+              <a:latin typeface="Arial" panose="020B0604020202020204" pitchFamily="34" charset="0"/>
+              <a:ea typeface="Amazon Ember" panose="020B0603020204020204" pitchFamily="34" charset="0"/>
+              <a:cs typeface="Arial" panose="020B0604020202020204" pitchFamily="34" charset="0"/>
+            </a:endParaRPr>
           </a:p>
         </p:txBody>
       </p:sp>
